--- a/Training/ICP Operations Intro.pptx
+++ b/Training/ICP Operations Intro.pptx
@@ -35792,10 +35792,10 @@
       </p:sp>
       <p:sp>
         <p:nvSpPr>
-          <p:cNvPr id="5" name="TextBox 4">
+          <p:cNvPr id="6" name="TextBox 5">
             <a:extLst>
               <a:ext uri="{FF2B5EF4-FFF2-40B4-BE49-F238E27FC236}">
-                <a16:creationId xmlns:a16="http://schemas.microsoft.com/office/drawing/2014/main" id="{1EE374F3-EF07-B644-9A67-61000C26AA58}"/>
+                <a16:creationId xmlns:a16="http://schemas.microsoft.com/office/drawing/2014/main" id="{3276F065-FB74-CD48-8086-8E1C5F3D23DB}"/>
               </a:ext>
             </a:extLst>
           </p:cNvPr>
@@ -35804,8 +35804,8 @@
         </p:nvSpPr>
         <p:spPr>
           <a:xfrm>
-            <a:off x="457200" y="1710780"/>
-            <a:ext cx="3352800" cy="769441"/>
+            <a:off x="1371600" y="2438400"/>
+            <a:ext cx="3352800" cy="1446550"/>
           </a:xfrm>
           <a:prstGeom prst="rect">
             <a:avLst/>
@@ -35848,70 +35848,6 @@
           <a:p>
             <a:r>
               <a:rPr lang="en-US" sz="4400" dirty="0"/>
-              <a:t>Your role?</a:t>
-            </a:r>
-            <a:endParaRPr lang="en-US" sz="3200" dirty="0"/>
-          </a:p>
-        </p:txBody>
-      </p:sp>
-      <p:sp>
-        <p:nvSpPr>
-          <p:cNvPr id="6" name="TextBox 5">
-            <a:extLst>
-              <a:ext uri="{FF2B5EF4-FFF2-40B4-BE49-F238E27FC236}">
-                <a16:creationId xmlns:a16="http://schemas.microsoft.com/office/drawing/2014/main" id="{3276F065-FB74-CD48-8086-8E1C5F3D23DB}"/>
-              </a:ext>
-            </a:extLst>
-          </p:cNvPr>
-          <p:cNvSpPr txBox="1"/>
-          <p:nvPr/>
-        </p:nvSpPr>
-        <p:spPr>
-          <a:xfrm>
-            <a:off x="4586287" y="2743200"/>
-            <a:ext cx="3352800" cy="1446550"/>
-          </a:xfrm>
-          <a:prstGeom prst="rect">
-            <a:avLst/>
-          </a:prstGeom>
-          <a:gradFill>
-            <a:gsLst>
-              <a:gs pos="0">
-                <a:schemeClr val="accent1">
-                  <a:lumMod val="5000"/>
-                  <a:lumOff val="95000"/>
-                </a:schemeClr>
-              </a:gs>
-              <a:gs pos="74000">
-                <a:schemeClr val="accent1">
-                  <a:lumMod val="45000"/>
-                  <a:lumOff val="55000"/>
-                </a:schemeClr>
-              </a:gs>
-              <a:gs pos="83000">
-                <a:schemeClr val="accent1">
-                  <a:lumMod val="45000"/>
-                  <a:lumOff val="55000"/>
-                </a:schemeClr>
-              </a:gs>
-              <a:gs pos="100000">
-                <a:schemeClr val="accent1">
-                  <a:lumMod val="30000"/>
-                  <a:lumOff val="70000"/>
-                </a:schemeClr>
-              </a:gs>
-            </a:gsLst>
-            <a:lin ang="5400000" scaled="1"/>
-          </a:gradFill>
-        </p:spPr>
-        <p:txBody>
-          <a:bodyPr wrap="square" rtlCol="0">
-            <a:spAutoFit/>
-          </a:bodyPr>
-          <a:lstStyle/>
-          <a:p>
-            <a:r>
-              <a:rPr lang="en-US" sz="4400" dirty="0"/>
               <a:t>Experience with ICP?</a:t>
             </a:r>
             <a:endParaRPr lang="en-US" sz="3200" dirty="0"/>
@@ -35932,7 +35868,7 @@
         </p:nvSpPr>
         <p:spPr>
           <a:xfrm>
-            <a:off x="8305800" y="4306886"/>
+            <a:off x="6553200" y="2099846"/>
             <a:ext cx="3352800" cy="2123658"/>
           </a:xfrm>
           <a:prstGeom prst="rect">
